--- a/Lesson11.pptx
+++ b/Lesson11.pptx
@@ -128,6 +128,7 @@
   <p1510:revLst>
     <p1510:client id="{35B5DA9C-DAD4-4CA1-834A-3BA70668918C}" v="1483" dt="2020-08-24T17:52:50.531"/>
     <p1510:client id="{38895AAD-D14A-4EA9-9E00-01FF17965C79}" v="243" dt="2020-08-16T13:42:36.201"/>
+    <p1510:client id="{8B00CCE2-94E9-401D-8EFF-BC209D2C6F07}" v="145" dt="2020-08-27T15:52:29.217"/>
     <p1510:client id="{A23A8540-AF2E-4BEE-BD15-2964C883AEBE}" v="429" dt="2020-07-18T20:41:28.624"/>
     <p1510:client id="{BAA03B84-CED5-4B7D-9D46-4136AA2A91F6}" v="113" dt="2020-08-10T21:18:22.799"/>
     <p1510:client id="{C3A63A48-5DFC-47DB-B849-E1A724FDDFBB}" v="350" dt="2020-08-10T20:44:50.096"/>
@@ -7288,75 +7289,71 @@
           <a:lstStyle/>
           <a:p>
             <a:r>
-              <a:rPr lang="uk-UA" sz="2000">
-                <a:ea typeface="+mn-lt"/>
-                <a:cs typeface="+mn-lt"/>
-              </a:rPr>
-              <a:t>Наслідування сприяє повторному використанню. Коли клас успадковує або наслідує інший клас, він може отримати доступ до всіх функціональних можливостей батьківського класу.</a:t>
-            </a:r>
-            <a:endParaRPr lang="uk-UA" sz="2000">
+              <a:rPr lang="uk-UA" sz="2000" dirty="0">
+                <a:ea typeface="+mn-lt"/>
+                <a:cs typeface="+mn-lt"/>
+              </a:rPr>
+              <a:t>Наслідування сприяє повторному використанню. Таким чином зменшується написання коду. Коли клас успадковує або наслідує інший клас, він може отримати доступ до всіх функціональних можливостей батьківського класу.</a:t>
+            </a:r>
+            <a:endParaRPr lang="uk-UA" sz="2000" dirty="0">
               <a:cs typeface="Calibri" panose="020F0502020204030204"/>
             </a:endParaRPr>
           </a:p>
           <a:p>
             <a:r>
-              <a:rPr lang="uk-UA" sz="2000">
-                <a:ea typeface="+mn-lt"/>
-                <a:cs typeface="+mn-lt"/>
-              </a:rPr>
-              <a:t>Надійності. Код базового класу буде вже протестований і налагоджений.</a:t>
-            </a:r>
-            <a:endParaRPr lang="uk-UA" sz="2000">
+              <a:rPr lang="uk-UA" sz="2000" dirty="0">
+                <a:ea typeface="+mn-lt"/>
+                <a:cs typeface="+mn-lt"/>
+              </a:rPr>
+              <a:t>Оскільки існуючий код повторно використовується, це призводить до менших витрат на розробку та обслуговування.</a:t>
+            </a:r>
+            <a:endParaRPr lang="uk-UA" sz="2000" dirty="0">
               <a:cs typeface="Calibri" panose="020F0502020204030204"/>
             </a:endParaRPr>
           </a:p>
           <a:p>
             <a:r>
-              <a:rPr lang="uk-UA" sz="2000">
-                <a:ea typeface="+mn-lt"/>
-                <a:cs typeface="+mn-lt"/>
-              </a:rPr>
-              <a:t>Оскільки існуючий код повторно використовується, це призводить до менших витрат на розробку та обслуговування.</a:t>
-            </a:r>
-            <a:endParaRPr lang="uk-UA" sz="2000">
+              <a:rPr lang="uk-UA" sz="2000" dirty="0">
+                <a:ea typeface="+mn-lt"/>
+                <a:cs typeface="+mn-lt"/>
+              </a:rPr>
+              <a:t>Наслідування покращує майбутнє розширення коду.</a:t>
+            </a:r>
+            <a:endParaRPr lang="uk-UA" sz="2000" dirty="0">
               <a:cs typeface="Calibri" panose="020F0502020204030204"/>
             </a:endParaRPr>
           </a:p>
           <a:p>
             <a:r>
-              <a:rPr lang="uk-UA" sz="2000">
-                <a:ea typeface="+mn-lt"/>
-                <a:cs typeface="+mn-lt"/>
+              <a:rPr lang="uk-UA" sz="2000" dirty="0">
+                <a:ea typeface="+mn-lt"/>
+                <a:cs typeface="+mn-lt"/>
+              </a:rPr>
+              <a:t>Надійність. Код базового класу буде вже протестований і налагоджений.</a:t>
+            </a:r>
+          </a:p>
+          <a:p>
+            <a:endParaRPr lang="uk-UA" sz="2000" dirty="0">
+              <a:ea typeface="+mn-lt"/>
+              <a:cs typeface="+mn-lt"/>
+            </a:endParaRPr>
+          </a:p>
+          <a:p>
+            <a:r>
+              <a:rPr lang="uk-UA" sz="2000" dirty="0">
+                <a:ea typeface="+mn-lt"/>
+                <a:cs typeface="+mn-lt"/>
+              </a:rPr>
+              <a:t>Наслідування сприяє створенню бібліотек класів.</a:t>
+            </a:r>
+          </a:p>
+          <a:p>
+            <a:r>
+              <a:rPr lang="uk-UA" sz="2000" dirty="0">
+                <a:cs typeface="Calibri" panose="020F0502020204030204"/>
               </a:rPr>
               <a:t>Наслідування змушує підкласи слідувати стандартному інтерфейсу.</a:t>
             </a:r>
-            <a:endParaRPr lang="uk-UA" sz="2000">
-              <a:cs typeface="Calibri" panose="020F0502020204030204"/>
-            </a:endParaRPr>
-          </a:p>
-          <a:p>
-            <a:r>
-              <a:rPr lang="uk-UA" sz="2000">
-                <a:ea typeface="+mn-lt"/>
-                <a:cs typeface="+mn-lt"/>
-              </a:rPr>
-              <a:t>Наслідування допомагає зменшити надмірність коду та підтримує розширення коду.</a:t>
-            </a:r>
-            <a:endParaRPr lang="uk-UA" sz="2000">
-              <a:cs typeface="Calibri" panose="020F0502020204030204"/>
-            </a:endParaRPr>
-          </a:p>
-          <a:p>
-            <a:r>
-              <a:rPr lang="uk-UA" sz="2000">
-                <a:ea typeface="+mn-lt"/>
-                <a:cs typeface="+mn-lt"/>
-              </a:rPr>
-              <a:t>Наслідування сприяє створенню бібліотек класів.</a:t>
-            </a:r>
-            <a:endParaRPr lang="uk-UA" sz="2000">
-              <a:cs typeface="Calibri" panose="020F0502020204030204"/>
-            </a:endParaRPr>
           </a:p>
         </p:txBody>
       </p:sp>
